--- a/Common-and-Prerequisite-Material/Module_Legal/Lesson_4_LegalAspects_Ethics.pptx
+++ b/Common-and-Prerequisite-Material/Module_Legal/Lesson_4_LegalAspects_Ethics.pptx
@@ -277,7 +277,7 @@
               <a:pPr>
                 <a:defRPr/>
               </a:pPr>
-              <a:t>3/27/2018</a:t>
+              <a:t>4/19/18</a:t>
             </a:fld>
             <a:endParaRPr lang="en-US"/>
           </a:p>
@@ -3090,7 +3090,7 @@
           <p:cNvPr id="2" name="Title 1">
             <a:extLst>
               <a:ext uri="{FF2B5EF4-FFF2-40B4-BE49-F238E27FC236}">
-                <a16:creationId xmlns:a16="http://schemas.microsoft.com/office/drawing/2014/main" id="{5C287DE2-E1A2-4F41-96FE-94AF4425CB03}"/>
+                <a16:creationId xmlns:a16="http://schemas.microsoft.com/office/drawing/2014/main" xmlns="" id="{5C287DE2-E1A2-4F41-96FE-94AF4425CB03}"/>
               </a:ext>
             </a:extLst>
           </p:cNvPr>
@@ -3115,6 +3115,10 @@
             </a:lvl1pPr>
           </a:lstStyle>
           <a:p>
+            <a:r>
+              <a:rPr lang="en-US" dirty="0"/>
+              <a:t/>
+            </a:r>
             <a:br>
               <a:rPr lang="en-US" dirty="0"/>
             </a:br>
@@ -3125,27 +3129,59 @@
             <a:br>
               <a:rPr lang="en-US" dirty="0"/>
             </a:br>
+            <a:r>
+              <a:rPr lang="en-US" dirty="0"/>
+              <a:t/>
+            </a:r>
             <a:br>
               <a:rPr lang="en-US" dirty="0"/>
             </a:br>
+            <a:r>
+              <a:rPr lang="en-US" dirty="0"/>
+              <a:t/>
+            </a:r>
             <a:br>
               <a:rPr lang="en-US" dirty="0"/>
             </a:br>
+            <a:r>
+              <a:rPr lang="en-US" dirty="0"/>
+              <a:t/>
+            </a:r>
             <a:br>
               <a:rPr lang="en-US" dirty="0"/>
             </a:br>
+            <a:r>
+              <a:rPr lang="en-US" dirty="0"/>
+              <a:t/>
+            </a:r>
             <a:br>
               <a:rPr lang="en-US" dirty="0"/>
             </a:br>
+            <a:r>
+              <a:rPr lang="en-US" dirty="0"/>
+              <a:t/>
+            </a:r>
             <a:br>
               <a:rPr lang="en-US" dirty="0"/>
             </a:br>
+            <a:r>
+              <a:rPr lang="en-US" dirty="0"/>
+              <a:t/>
+            </a:r>
             <a:br>
               <a:rPr lang="en-US" dirty="0"/>
             </a:br>
+            <a:r>
+              <a:rPr lang="en-US" dirty="0"/>
+              <a:t/>
+            </a:r>
             <a:br>
               <a:rPr lang="en-US" dirty="0"/>
             </a:br>
+            <a:r>
+              <a:rPr lang="en-US" dirty="0"/>
+              <a:t/>
+            </a:r>
             <a:br>
               <a:rPr lang="en-US" dirty="0"/>
             </a:br>
@@ -3156,6 +3192,10 @@
             <a:br>
               <a:rPr lang="en-US" dirty="0"/>
             </a:br>
+            <a:r>
+              <a:rPr lang="en-US" dirty="0"/>
+              <a:t/>
+            </a:r>
             <a:br>
               <a:rPr lang="en-US" dirty="0"/>
             </a:br>
@@ -3166,6 +3206,10 @@
             <a:br>
               <a:rPr lang="en-US" dirty="0"/>
             </a:br>
+            <a:r>
+              <a:rPr lang="en-US" dirty="0"/>
+              <a:t/>
+            </a:r>
             <a:br>
               <a:rPr lang="en-US" dirty="0"/>
             </a:br>
@@ -3185,7 +3229,7 @@
           <p:cNvPr id="3" name="Slide Number Placeholder 2">
             <a:extLst>
               <a:ext uri="{FF2B5EF4-FFF2-40B4-BE49-F238E27FC236}">
-                <a16:creationId xmlns:a16="http://schemas.microsoft.com/office/drawing/2014/main" id="{7D2FFADE-E1BC-48C1-83AA-6DDDD39A33C4}"/>
+                <a16:creationId xmlns:a16="http://schemas.microsoft.com/office/drawing/2014/main" xmlns="" id="{7D2FFADE-E1BC-48C1-83AA-6DDDD39A33C4}"/>
               </a:ext>
             </a:extLst>
           </p:cNvPr>
@@ -3220,7 +3264,7 @@
           <p:cNvPr id="9" name="Picture 8">
             <a:extLst>
               <a:ext uri="{FF2B5EF4-FFF2-40B4-BE49-F238E27FC236}">
-                <a16:creationId xmlns:a16="http://schemas.microsoft.com/office/drawing/2014/main" id="{9CBFC76A-A606-42CF-BCDF-C73975C150B9}"/>
+                <a16:creationId xmlns:a16="http://schemas.microsoft.com/office/drawing/2014/main" xmlns="" id="{9CBFC76A-A606-42CF-BCDF-C73975C150B9}"/>
               </a:ext>
             </a:extLst>
           </p:cNvPr>
@@ -4186,6 +4230,14 @@
           <a:bodyPr/>
           <a:lstStyle/>
           <a:p>
+            <a:r>
+              <a:rPr lang="en-US" dirty="0">
+                <a:solidFill>
+                  <a:srgbClr val="FF00FF"/>
+                </a:solidFill>
+              </a:rPr>
+              <a:t/>
+            </a:r>
             <a:br>
               <a:rPr lang="en-US" dirty="0">
                 <a:solidFill>
@@ -4193,6 +4245,14 @@
                 </a:solidFill>
               </a:rPr>
             </a:br>
+            <a:r>
+              <a:rPr lang="en-US" dirty="0">
+                <a:solidFill>
+                  <a:srgbClr val="FF00FF"/>
+                </a:solidFill>
+              </a:rPr>
+              <a:t/>
+            </a:r>
             <a:br>
               <a:rPr lang="en-US" dirty="0">
                 <a:solidFill>
@@ -4224,7 +4284,15 @@
           <a:p>
             <a:r>
               <a:rPr lang="en-US" dirty="0"/>
-              <a:t>Lesson 2: Ethics</a:t>
+              <a:t>Lesson </a:t>
+            </a:r>
+            <a:r>
+              <a:rPr lang="en-US" dirty="0" smtClean="0"/>
+              <a:t>4: </a:t>
+            </a:r>
+            <a:r>
+              <a:rPr lang="en-US" dirty="0"/>
+              <a:t>Ethics</a:t>
             </a:r>
           </a:p>
         </p:txBody>
@@ -4262,7 +4330,7 @@
           <p:cNvPr id="11" name="Title 10">
             <a:extLst>
               <a:ext uri="{FF2B5EF4-FFF2-40B4-BE49-F238E27FC236}">
-                <a16:creationId xmlns:a16="http://schemas.microsoft.com/office/drawing/2014/main" id="{1F52A716-5142-4987-84C0-078D1007C406}"/>
+                <a16:creationId xmlns:a16="http://schemas.microsoft.com/office/drawing/2014/main" xmlns="" id="{1F52A716-5142-4987-84C0-078D1007C406}"/>
               </a:ext>
             </a:extLst>
           </p:cNvPr>
@@ -4287,7 +4355,7 @@
           <p:cNvPr id="7" name="Slide Number Placeholder 6">
             <a:extLst>
               <a:ext uri="{FF2B5EF4-FFF2-40B4-BE49-F238E27FC236}">
-                <a16:creationId xmlns:a16="http://schemas.microsoft.com/office/drawing/2014/main" id="{27B55DC7-B95B-4807-B808-1E7A81E0F45A}"/>
+                <a16:creationId xmlns:a16="http://schemas.microsoft.com/office/drawing/2014/main" xmlns="" id="{27B55DC7-B95B-4807-B808-1E7A81E0F45A}"/>
               </a:ext>
             </a:extLst>
           </p:cNvPr>
@@ -4408,7 +4476,7 @@
           <p:cNvPr id="3" name="Slide Number Placeholder 2">
             <a:extLst>
               <a:ext uri="{FF2B5EF4-FFF2-40B4-BE49-F238E27FC236}">
-                <a16:creationId xmlns:a16="http://schemas.microsoft.com/office/drawing/2014/main" id="{0B1163B0-19D9-4859-8B88-CD4B646011C3}"/>
+                <a16:creationId xmlns:a16="http://schemas.microsoft.com/office/drawing/2014/main" xmlns="" id="{0B1163B0-19D9-4859-8B88-CD4B646011C3}"/>
               </a:ext>
             </a:extLst>
           </p:cNvPr>
@@ -4471,7 +4539,7 @@
           <p:cNvPr id="2" name="Title 1">
             <a:extLst>
               <a:ext uri="{FF2B5EF4-FFF2-40B4-BE49-F238E27FC236}">
-                <a16:creationId xmlns:a16="http://schemas.microsoft.com/office/drawing/2014/main" id="{7790CD47-DF56-40F4-A3E0-E88E07C8417B}"/>
+                <a16:creationId xmlns:a16="http://schemas.microsoft.com/office/drawing/2014/main" xmlns="" id="{7790CD47-DF56-40F4-A3E0-E88E07C8417B}"/>
               </a:ext>
             </a:extLst>
           </p:cNvPr>
@@ -4499,7 +4567,7 @@
           <p:cNvPr id="3" name="Content Placeholder 2">
             <a:extLst>
               <a:ext uri="{FF2B5EF4-FFF2-40B4-BE49-F238E27FC236}">
-                <a16:creationId xmlns:a16="http://schemas.microsoft.com/office/drawing/2014/main" id="{3DA1B7B2-02FF-4684-99F1-19427399486B}"/>
+                <a16:creationId xmlns:a16="http://schemas.microsoft.com/office/drawing/2014/main" xmlns="" id="{3DA1B7B2-02FF-4684-99F1-19427399486B}"/>
               </a:ext>
             </a:extLst>
           </p:cNvPr>
@@ -4573,7 +4641,7 @@
           <p:cNvPr id="4" name="Slide Number Placeholder 3">
             <a:extLst>
               <a:ext uri="{FF2B5EF4-FFF2-40B4-BE49-F238E27FC236}">
-                <a16:creationId xmlns:a16="http://schemas.microsoft.com/office/drawing/2014/main" id="{BF0B2BD9-84B9-43DF-BEB6-77BED6AE9C82}"/>
+                <a16:creationId xmlns:a16="http://schemas.microsoft.com/office/drawing/2014/main" xmlns="" id="{BF0B2BD9-84B9-43DF-BEB6-77BED6AE9C82}"/>
               </a:ext>
             </a:extLst>
           </p:cNvPr>
@@ -4638,7 +4706,7 @@
           <p:cNvPr id="2" name="Title 1">
             <a:extLst>
               <a:ext uri="{FF2B5EF4-FFF2-40B4-BE49-F238E27FC236}">
-                <a16:creationId xmlns:a16="http://schemas.microsoft.com/office/drawing/2014/main" id="{C43C5780-690D-434A-B801-A9F4381CD45A}"/>
+                <a16:creationId xmlns:a16="http://schemas.microsoft.com/office/drawing/2014/main" xmlns="" id="{C43C5780-690D-434A-B801-A9F4381CD45A}"/>
               </a:ext>
             </a:extLst>
           </p:cNvPr>
@@ -4666,7 +4734,7 @@
           <p:cNvPr id="3" name="Content Placeholder 2">
             <a:extLst>
               <a:ext uri="{FF2B5EF4-FFF2-40B4-BE49-F238E27FC236}">
-                <a16:creationId xmlns:a16="http://schemas.microsoft.com/office/drawing/2014/main" id="{BE45DAC6-D687-4B13-BC41-9F671AA71A59}"/>
+                <a16:creationId xmlns:a16="http://schemas.microsoft.com/office/drawing/2014/main" xmlns="" id="{BE45DAC6-D687-4B13-BC41-9F671AA71A59}"/>
               </a:ext>
             </a:extLst>
           </p:cNvPr>
@@ -4734,7 +4802,7 @@
           <p:cNvPr id="4" name="Slide Number Placeholder 3">
             <a:extLst>
               <a:ext uri="{FF2B5EF4-FFF2-40B4-BE49-F238E27FC236}">
-                <a16:creationId xmlns:a16="http://schemas.microsoft.com/office/drawing/2014/main" id="{B324E5B2-09F7-4EB3-8B71-5CBABA262537}"/>
+                <a16:creationId xmlns:a16="http://schemas.microsoft.com/office/drawing/2014/main" xmlns="" id="{B324E5B2-09F7-4EB3-8B71-5CBABA262537}"/>
               </a:ext>
             </a:extLst>
           </p:cNvPr>
@@ -4799,7 +4867,7 @@
           <p:cNvPr id="2" name="Title 1">
             <a:extLst>
               <a:ext uri="{FF2B5EF4-FFF2-40B4-BE49-F238E27FC236}">
-                <a16:creationId xmlns:a16="http://schemas.microsoft.com/office/drawing/2014/main" id="{5A239509-4403-4B7B-A5BD-DB093A0A7AD6}"/>
+                <a16:creationId xmlns:a16="http://schemas.microsoft.com/office/drawing/2014/main" xmlns="" id="{5A239509-4403-4B7B-A5BD-DB093A0A7AD6}"/>
               </a:ext>
             </a:extLst>
           </p:cNvPr>
@@ -4827,7 +4895,7 @@
           <p:cNvPr id="3" name="Content Placeholder 2">
             <a:extLst>
               <a:ext uri="{FF2B5EF4-FFF2-40B4-BE49-F238E27FC236}">
-                <a16:creationId xmlns:a16="http://schemas.microsoft.com/office/drawing/2014/main" id="{738C3C73-E5FA-4AB0-97A8-B0BE58EA7896}"/>
+                <a16:creationId xmlns:a16="http://schemas.microsoft.com/office/drawing/2014/main" xmlns="" id="{738C3C73-E5FA-4AB0-97A8-B0BE58EA7896}"/>
               </a:ext>
             </a:extLst>
           </p:cNvPr>
@@ -4908,7 +4976,7 @@
           <p:cNvPr id="4" name="Slide Number Placeholder 3">
             <a:extLst>
               <a:ext uri="{FF2B5EF4-FFF2-40B4-BE49-F238E27FC236}">
-                <a16:creationId xmlns:a16="http://schemas.microsoft.com/office/drawing/2014/main" id="{C9B73774-42A2-4595-82B6-D9F682C366EE}"/>
+                <a16:creationId xmlns:a16="http://schemas.microsoft.com/office/drawing/2014/main" xmlns="" id="{C9B73774-42A2-4595-82B6-D9F682C366EE}"/>
               </a:ext>
             </a:extLst>
           </p:cNvPr>
@@ -4973,7 +5041,7 @@
           <p:cNvPr id="2" name="Title 1">
             <a:extLst>
               <a:ext uri="{FF2B5EF4-FFF2-40B4-BE49-F238E27FC236}">
-                <a16:creationId xmlns:a16="http://schemas.microsoft.com/office/drawing/2014/main" id="{A4FD2E57-39FF-4B88-9433-0449ED8FE63A}"/>
+                <a16:creationId xmlns:a16="http://schemas.microsoft.com/office/drawing/2014/main" xmlns="" id="{A4FD2E57-39FF-4B88-9433-0449ED8FE63A}"/>
               </a:ext>
             </a:extLst>
           </p:cNvPr>
@@ -5001,7 +5069,7 @@
           <p:cNvPr id="3" name="Content Placeholder 2">
             <a:extLst>
               <a:ext uri="{FF2B5EF4-FFF2-40B4-BE49-F238E27FC236}">
-                <a16:creationId xmlns:a16="http://schemas.microsoft.com/office/drawing/2014/main" id="{86160B58-521A-46AC-AABE-AB9DBC4CC51B}"/>
+                <a16:creationId xmlns:a16="http://schemas.microsoft.com/office/drawing/2014/main" xmlns="" id="{86160B58-521A-46AC-AABE-AB9DBC4CC51B}"/>
               </a:ext>
             </a:extLst>
           </p:cNvPr>
@@ -5093,7 +5161,7 @@
           <p:cNvPr id="4" name="Slide Number Placeholder 3">
             <a:extLst>
               <a:ext uri="{FF2B5EF4-FFF2-40B4-BE49-F238E27FC236}">
-                <a16:creationId xmlns:a16="http://schemas.microsoft.com/office/drawing/2014/main" id="{E35E37A6-D820-461F-AC82-6C64C89AE94C}"/>
+                <a16:creationId xmlns:a16="http://schemas.microsoft.com/office/drawing/2014/main" xmlns="" id="{E35E37A6-D820-461F-AC82-6C64C89AE94C}"/>
               </a:ext>
             </a:extLst>
           </p:cNvPr>
@@ -5158,7 +5226,7 @@
           <p:cNvPr id="2" name="Title 1">
             <a:extLst>
               <a:ext uri="{FF2B5EF4-FFF2-40B4-BE49-F238E27FC236}">
-                <a16:creationId xmlns:a16="http://schemas.microsoft.com/office/drawing/2014/main" id="{DAB284B2-DCA6-4F4F-945D-7DBD459D9329}"/>
+                <a16:creationId xmlns:a16="http://schemas.microsoft.com/office/drawing/2014/main" xmlns="" id="{DAB284B2-DCA6-4F4F-945D-7DBD459D9329}"/>
               </a:ext>
             </a:extLst>
           </p:cNvPr>
@@ -5186,7 +5254,7 @@
           <p:cNvPr id="3" name="Content Placeholder 2">
             <a:extLst>
               <a:ext uri="{FF2B5EF4-FFF2-40B4-BE49-F238E27FC236}">
-                <a16:creationId xmlns:a16="http://schemas.microsoft.com/office/drawing/2014/main" id="{F872DE08-8103-4913-B85F-FDE8AF01C037}"/>
+                <a16:creationId xmlns:a16="http://schemas.microsoft.com/office/drawing/2014/main" xmlns="" id="{F872DE08-8103-4913-B85F-FDE8AF01C037}"/>
               </a:ext>
             </a:extLst>
           </p:cNvPr>
@@ -5286,7 +5354,7 @@
           <p:cNvPr id="4" name="Slide Number Placeholder 3">
             <a:extLst>
               <a:ext uri="{FF2B5EF4-FFF2-40B4-BE49-F238E27FC236}">
-                <a16:creationId xmlns:a16="http://schemas.microsoft.com/office/drawing/2014/main" id="{60B68F91-CE8B-44E0-AFB7-9F45C3BBE939}"/>
+                <a16:creationId xmlns:a16="http://schemas.microsoft.com/office/drawing/2014/main" xmlns="" id="{60B68F91-CE8B-44E0-AFB7-9F45C3BBE939}"/>
               </a:ext>
             </a:extLst>
           </p:cNvPr>
@@ -5346,7 +5414,7 @@
           <p:cNvPr id="2" name="Title 1">
             <a:extLst>
               <a:ext uri="{FF2B5EF4-FFF2-40B4-BE49-F238E27FC236}">
-                <a16:creationId xmlns:a16="http://schemas.microsoft.com/office/drawing/2014/main" id="{6FFC327A-5036-4AE9-80C7-5FB89D883175}"/>
+                <a16:creationId xmlns:a16="http://schemas.microsoft.com/office/drawing/2014/main" xmlns="" id="{6FFC327A-5036-4AE9-80C7-5FB89D883175}"/>
               </a:ext>
             </a:extLst>
           </p:cNvPr>
@@ -5374,7 +5442,7 @@
           <p:cNvPr id="3" name="Content Placeholder 2">
             <a:extLst>
               <a:ext uri="{FF2B5EF4-FFF2-40B4-BE49-F238E27FC236}">
-                <a16:creationId xmlns:a16="http://schemas.microsoft.com/office/drawing/2014/main" id="{F27BC317-B7D6-4539-BC8F-B968FFDA64FD}"/>
+                <a16:creationId xmlns:a16="http://schemas.microsoft.com/office/drawing/2014/main" xmlns="" id="{F27BC317-B7D6-4539-BC8F-B968FFDA64FD}"/>
               </a:ext>
             </a:extLst>
           </p:cNvPr>
@@ -5475,7 +5543,7 @@
           <p:cNvPr id="4" name="Slide Number Placeholder 3">
             <a:extLst>
               <a:ext uri="{FF2B5EF4-FFF2-40B4-BE49-F238E27FC236}">
-                <a16:creationId xmlns:a16="http://schemas.microsoft.com/office/drawing/2014/main" id="{0B1065C9-7E33-4C50-BF98-3E516A6A50A2}"/>
+                <a16:creationId xmlns:a16="http://schemas.microsoft.com/office/drawing/2014/main" xmlns="" id="{0B1065C9-7E33-4C50-BF98-3E516A6A50A2}"/>
               </a:ext>
             </a:extLst>
           </p:cNvPr>
@@ -5540,7 +5608,7 @@
           <p:cNvPr id="2" name="Title 1">
             <a:extLst>
               <a:ext uri="{FF2B5EF4-FFF2-40B4-BE49-F238E27FC236}">
-                <a16:creationId xmlns:a16="http://schemas.microsoft.com/office/drawing/2014/main" id="{815F5E2E-5211-45D8-92BA-8577F217BC59}"/>
+                <a16:creationId xmlns:a16="http://schemas.microsoft.com/office/drawing/2014/main" xmlns="" id="{815F5E2E-5211-45D8-92BA-8577F217BC59}"/>
               </a:ext>
             </a:extLst>
           </p:cNvPr>
@@ -5568,7 +5636,7 @@
           <p:cNvPr id="3" name="Content Placeholder 2">
             <a:extLst>
               <a:ext uri="{FF2B5EF4-FFF2-40B4-BE49-F238E27FC236}">
-                <a16:creationId xmlns:a16="http://schemas.microsoft.com/office/drawing/2014/main" id="{ADB8E434-7ED8-4032-949A-E7B527C3A2E9}"/>
+                <a16:creationId xmlns:a16="http://schemas.microsoft.com/office/drawing/2014/main" xmlns="" id="{ADB8E434-7ED8-4032-949A-E7B527C3A2E9}"/>
               </a:ext>
             </a:extLst>
           </p:cNvPr>
@@ -5608,7 +5676,7 @@
           <p:cNvPr id="4" name="Slide Number Placeholder 3">
             <a:extLst>
               <a:ext uri="{FF2B5EF4-FFF2-40B4-BE49-F238E27FC236}">
-                <a16:creationId xmlns:a16="http://schemas.microsoft.com/office/drawing/2014/main" id="{57EDC200-4BF9-478F-80E8-AF248D96704A}"/>
+                <a16:creationId xmlns:a16="http://schemas.microsoft.com/office/drawing/2014/main" xmlns="" id="{57EDC200-4BF9-478F-80E8-AF248D96704A}"/>
               </a:ext>
             </a:extLst>
           </p:cNvPr>

--- a/Common-and-Prerequisite-Material/Module_Legal/Lesson_4_LegalAspects_Ethics.pptx
+++ b/Common-and-Prerequisite-Material/Module_Legal/Lesson_4_LegalAspects_Ethics.pptx
@@ -17,7 +17,7 @@
     <p:sldId id="340" r:id="rId8"/>
     <p:sldId id="341" r:id="rId9"/>
     <p:sldId id="342" r:id="rId10"/>
-    <p:sldId id="333" r:id="rId11"/>
+    <p:sldId id="343" r:id="rId11"/>
   </p:sldIdLst>
   <p:sldSz cx="9144000" cy="6858000" type="screen4x3"/>
   <p:notesSz cx="7315200" cy="9601200"/>
@@ -277,7 +277,7 @@
               <a:pPr>
                 <a:defRPr/>
               </a:pPr>
-              <a:t>4/19/18</a:t>
+              <a:t>4/24/18</a:t>
             </a:fld>
             <a:endParaRPr lang="en-US"/>
           </a:p>
@@ -1126,7 +1126,7 @@
     </p:spTree>
     <p:extLst>
       <p:ext uri="{BB962C8B-B14F-4D97-AF65-F5344CB8AC3E}">
-        <p14:creationId xmlns:p14="http://schemas.microsoft.com/office/powerpoint/2010/main" val="2433617412"/>
+        <p14:creationId xmlns:p14="http://schemas.microsoft.com/office/powerpoint/2010/main" val="662538791"/>
       </p:ext>
     </p:extLst>
   </p:cSld>
@@ -3090,7 +3090,7 @@
           <p:cNvPr id="2" name="Title 1">
             <a:extLst>
               <a:ext uri="{FF2B5EF4-FFF2-40B4-BE49-F238E27FC236}">
-                <a16:creationId xmlns:a16="http://schemas.microsoft.com/office/drawing/2014/main" xmlns="" id="{5C287DE2-E1A2-4F41-96FE-94AF4425CB03}"/>
+                <a16:creationId xmlns="" xmlns:a16="http://schemas.microsoft.com/office/drawing/2014/main" id="{5C287DE2-E1A2-4F41-96FE-94AF4425CB03}"/>
               </a:ext>
             </a:extLst>
           </p:cNvPr>
@@ -3229,7 +3229,7 @@
           <p:cNvPr id="3" name="Slide Number Placeholder 2">
             <a:extLst>
               <a:ext uri="{FF2B5EF4-FFF2-40B4-BE49-F238E27FC236}">
-                <a16:creationId xmlns:a16="http://schemas.microsoft.com/office/drawing/2014/main" xmlns="" id="{7D2FFADE-E1BC-48C1-83AA-6DDDD39A33C4}"/>
+                <a16:creationId xmlns="" xmlns:a16="http://schemas.microsoft.com/office/drawing/2014/main" id="{7D2FFADE-E1BC-48C1-83AA-6DDDD39A33C4}"/>
               </a:ext>
             </a:extLst>
           </p:cNvPr>
@@ -3264,7 +3264,7 @@
           <p:cNvPr id="9" name="Picture 8">
             <a:extLst>
               <a:ext uri="{FF2B5EF4-FFF2-40B4-BE49-F238E27FC236}">
-                <a16:creationId xmlns:a16="http://schemas.microsoft.com/office/drawing/2014/main" xmlns="" id="{9CBFC76A-A606-42CF-BCDF-C73975C150B9}"/>
+                <a16:creationId xmlns="" xmlns:a16="http://schemas.microsoft.com/office/drawing/2014/main" id="{9CBFC76A-A606-42CF-BCDF-C73975C150B9}"/>
               </a:ext>
             </a:extLst>
           </p:cNvPr>
@@ -4327,35 +4327,10 @@
       </p:grpSpPr>
       <p:sp>
         <p:nvSpPr>
-          <p:cNvPr id="11" name="Title 10">
-            <a:extLst>
-              <a:ext uri="{FF2B5EF4-FFF2-40B4-BE49-F238E27FC236}">
-                <a16:creationId xmlns:a16="http://schemas.microsoft.com/office/drawing/2014/main" xmlns="" id="{1F52A716-5142-4987-84C0-078D1007C406}"/>
-              </a:ext>
-            </a:extLst>
-          </p:cNvPr>
-          <p:cNvSpPr>
-            <a:spLocks noGrp="1"/>
-          </p:cNvSpPr>
-          <p:nvPr>
-            <p:ph type="title"/>
-          </p:nvPr>
-        </p:nvSpPr>
-        <p:spPr/>
-        <p:txBody>
-          <a:bodyPr/>
-          <a:lstStyle/>
-          <a:p>
-            <a:endParaRPr lang="en-US" dirty="0"/>
-          </a:p>
-        </p:txBody>
-      </p:sp>
-      <p:sp>
-        <p:nvSpPr>
           <p:cNvPr id="7" name="Slide Number Placeholder 6">
             <a:extLst>
               <a:ext uri="{FF2B5EF4-FFF2-40B4-BE49-F238E27FC236}">
-                <a16:creationId xmlns:a16="http://schemas.microsoft.com/office/drawing/2014/main" xmlns="" id="{27B55DC7-B95B-4807-B808-1E7A81E0F45A}"/>
+                <a16:creationId xmlns="" xmlns:a16="http://schemas.microsoft.com/office/drawing/2014/main" id="{27B55DC7-B95B-4807-B808-1E7A81E0F45A}"/>
               </a:ext>
             </a:extLst>
           </p:cNvPr>
@@ -4380,13 +4355,333 @@
           </a:p>
         </p:txBody>
       </p:sp>
+      <p:sp>
+        <p:nvSpPr>
+          <p:cNvPr id="19" name="Text Placeholder 7">
+            <a:extLst>
+              <a:ext uri="{FF2B5EF4-FFF2-40B4-BE49-F238E27FC236}">
+                <a16:creationId xmlns="" xmlns:a16="http://schemas.microsoft.com/office/drawing/2014/main" id="{2785A2B3-FCF4-4D59-9841-12917D91B27A}"/>
+              </a:ext>
+            </a:extLst>
+          </p:cNvPr>
+          <p:cNvSpPr txBox="1">
+            <a:spLocks/>
+          </p:cNvSpPr>
+          <p:nvPr/>
+        </p:nvSpPr>
+        <p:spPr>
+          <a:xfrm>
+            <a:off x="725683" y="871606"/>
+            <a:ext cx="7893050" cy="5114787"/>
+          </a:xfrm>
+          <a:prstGeom prst="rect">
+            <a:avLst/>
+          </a:prstGeom>
+        </p:spPr>
+        <p:txBody>
+          <a:bodyPr/>
+          <a:lstStyle>
+            <a:lvl1pPr marL="0" indent="0" algn="ctr" defTabSz="685800" rtl="0" eaLnBrk="0" fontAlgn="base" hangingPunct="0">
+              <a:lnSpc>
+                <a:spcPct val="90000"/>
+              </a:lnSpc>
+              <a:spcBef>
+                <a:spcPts val="750"/>
+              </a:spcBef>
+              <a:spcAft>
+                <a:spcPct val="0"/>
+              </a:spcAft>
+              <a:buFont typeface="Arial" charset="0"/>
+              <a:buNone/>
+              <a:defRPr sz="1800" kern="1200">
+                <a:solidFill>
+                  <a:schemeClr val="tx1"/>
+                </a:solidFill>
+                <a:latin typeface="+mn-lt"/>
+                <a:ea typeface="+mn-ea"/>
+                <a:cs typeface="+mn-cs"/>
+              </a:defRPr>
+            </a:lvl1pPr>
+            <a:lvl2pPr marL="514350" indent="-171450" algn="l" defTabSz="685800" rtl="0" eaLnBrk="0" fontAlgn="base" hangingPunct="0">
+              <a:lnSpc>
+                <a:spcPct val="90000"/>
+              </a:lnSpc>
+              <a:spcBef>
+                <a:spcPts val="375"/>
+              </a:spcBef>
+              <a:spcAft>
+                <a:spcPct val="0"/>
+              </a:spcAft>
+              <a:buFont typeface="Arial" charset="0"/>
+              <a:buChar char="•"/>
+              <a:defRPr sz="2400" kern="1200">
+                <a:solidFill>
+                  <a:schemeClr val="tx1"/>
+                </a:solidFill>
+                <a:latin typeface="+mn-lt"/>
+                <a:ea typeface="+mn-ea"/>
+                <a:cs typeface="+mn-cs"/>
+              </a:defRPr>
+            </a:lvl2pPr>
+            <a:lvl3pPr marL="857250" indent="-171450" algn="l" defTabSz="685800" rtl="0" eaLnBrk="0" fontAlgn="base" hangingPunct="0">
+              <a:lnSpc>
+                <a:spcPct val="90000"/>
+              </a:lnSpc>
+              <a:spcBef>
+                <a:spcPts val="375"/>
+              </a:spcBef>
+              <a:spcAft>
+                <a:spcPct val="0"/>
+              </a:spcAft>
+              <a:buFont typeface="Arial" charset="0"/>
+              <a:buChar char="•"/>
+              <a:defRPr sz="1800" kern="1200">
+                <a:solidFill>
+                  <a:schemeClr val="tx1"/>
+                </a:solidFill>
+                <a:latin typeface="+mn-lt"/>
+                <a:ea typeface="+mn-ea"/>
+                <a:cs typeface="+mn-cs"/>
+              </a:defRPr>
+            </a:lvl3pPr>
+            <a:lvl4pPr marL="1200150" indent="-171450" algn="l" defTabSz="685800" rtl="0" eaLnBrk="0" fontAlgn="base" hangingPunct="0">
+              <a:lnSpc>
+                <a:spcPct val="90000"/>
+              </a:lnSpc>
+              <a:spcBef>
+                <a:spcPts val="375"/>
+              </a:spcBef>
+              <a:spcAft>
+                <a:spcPct val="0"/>
+              </a:spcAft>
+              <a:buFont typeface="Arial" charset="0"/>
+              <a:buChar char="•"/>
+              <a:defRPr sz="1600" kern="1200">
+                <a:solidFill>
+                  <a:schemeClr val="tx1"/>
+                </a:solidFill>
+                <a:latin typeface="+mn-lt"/>
+                <a:ea typeface="+mn-ea"/>
+                <a:cs typeface="+mn-cs"/>
+              </a:defRPr>
+            </a:lvl4pPr>
+            <a:lvl5pPr marL="1543050" indent="-171450" algn="l" defTabSz="685800" rtl="0" eaLnBrk="0" fontAlgn="base" hangingPunct="0">
+              <a:lnSpc>
+                <a:spcPct val="90000"/>
+              </a:lnSpc>
+              <a:spcBef>
+                <a:spcPts val="375"/>
+              </a:spcBef>
+              <a:spcAft>
+                <a:spcPct val="0"/>
+              </a:spcAft>
+              <a:buFont typeface="Arial" charset="0"/>
+              <a:buChar char="•"/>
+              <a:defRPr sz="1600" kern="1200">
+                <a:solidFill>
+                  <a:schemeClr val="tx1"/>
+                </a:solidFill>
+                <a:latin typeface="+mn-lt"/>
+                <a:ea typeface="+mn-ea"/>
+                <a:cs typeface="+mn-cs"/>
+              </a:defRPr>
+            </a:lvl5pPr>
+            <a:lvl6pPr marL="1885950" indent="-171450" algn="l" defTabSz="685800" rtl="0" eaLnBrk="1" latinLnBrk="0" hangingPunct="1">
+              <a:lnSpc>
+                <a:spcPct val="90000"/>
+              </a:lnSpc>
+              <a:spcBef>
+                <a:spcPts val="375"/>
+              </a:spcBef>
+              <a:buFont typeface="Arial" panose="020B0604020202020204" pitchFamily="34" charset="0"/>
+              <a:buChar char="•"/>
+              <a:defRPr sz="1350" kern="1200">
+                <a:solidFill>
+                  <a:schemeClr val="tx1"/>
+                </a:solidFill>
+                <a:latin typeface="+mn-lt"/>
+                <a:ea typeface="+mn-ea"/>
+                <a:cs typeface="+mn-cs"/>
+              </a:defRPr>
+            </a:lvl6pPr>
+            <a:lvl7pPr marL="2228850" indent="-171450" algn="l" defTabSz="685800" rtl="0" eaLnBrk="1" latinLnBrk="0" hangingPunct="1">
+              <a:lnSpc>
+                <a:spcPct val="90000"/>
+              </a:lnSpc>
+              <a:spcBef>
+                <a:spcPts val="375"/>
+              </a:spcBef>
+              <a:buFont typeface="Arial" panose="020B0604020202020204" pitchFamily="34" charset="0"/>
+              <a:buChar char="•"/>
+              <a:defRPr sz="1350" kern="1200">
+                <a:solidFill>
+                  <a:schemeClr val="tx1"/>
+                </a:solidFill>
+                <a:latin typeface="+mn-lt"/>
+                <a:ea typeface="+mn-ea"/>
+                <a:cs typeface="+mn-cs"/>
+              </a:defRPr>
+            </a:lvl7pPr>
+            <a:lvl8pPr marL="2571750" indent="-171450" algn="l" defTabSz="685800" rtl="0" eaLnBrk="1" latinLnBrk="0" hangingPunct="1">
+              <a:lnSpc>
+                <a:spcPct val="90000"/>
+              </a:lnSpc>
+              <a:spcBef>
+                <a:spcPts val="375"/>
+              </a:spcBef>
+              <a:buFont typeface="Arial" panose="020B0604020202020204" pitchFamily="34" charset="0"/>
+              <a:buChar char="•"/>
+              <a:defRPr sz="1350" kern="1200">
+                <a:solidFill>
+                  <a:schemeClr val="tx1"/>
+                </a:solidFill>
+                <a:latin typeface="+mn-lt"/>
+                <a:ea typeface="+mn-ea"/>
+                <a:cs typeface="+mn-cs"/>
+              </a:defRPr>
+            </a:lvl8pPr>
+            <a:lvl9pPr marL="2914650" indent="-171450" algn="l" defTabSz="685800" rtl="0" eaLnBrk="1" latinLnBrk="0" hangingPunct="1">
+              <a:lnSpc>
+                <a:spcPct val="90000"/>
+              </a:lnSpc>
+              <a:spcBef>
+                <a:spcPts val="375"/>
+              </a:spcBef>
+              <a:buFont typeface="Arial" panose="020B0604020202020204" pitchFamily="34" charset="0"/>
+              <a:buChar char="•"/>
+              <a:defRPr sz="1350" kern="1200">
+                <a:solidFill>
+                  <a:schemeClr val="tx1"/>
+                </a:solidFill>
+                <a:latin typeface="+mn-lt"/>
+                <a:ea typeface="+mn-ea"/>
+                <a:cs typeface="+mn-cs"/>
+              </a:defRPr>
+            </a:lvl9pPr>
+          </a:lstStyle>
+          <a:p>
+            <a:r>
+              <a:rPr lang="en-US" dirty="0"/>
+              <a:t>Please attribute Dr. Jim Alves-Foss and Dr. Jia Song, University of Idaho</a:t>
+            </a:r>
+            <a:br>
+              <a:rPr lang="en-US" dirty="0"/>
+            </a:br>
+            <a:r>
+              <a:rPr lang="en-US" dirty="0"/>
+              <a:t/>
+            </a:r>
+            <a:br>
+              <a:rPr lang="en-US" dirty="0"/>
+            </a:br>
+            <a:r>
+              <a:rPr lang="en-US" dirty="0"/>
+              <a:t/>
+            </a:r>
+            <a:br>
+              <a:rPr lang="en-US" dirty="0"/>
+            </a:br>
+            <a:r>
+              <a:rPr lang="en-US" dirty="0"/>
+              <a:t/>
+            </a:r>
+            <a:br>
+              <a:rPr lang="en-US" dirty="0"/>
+            </a:br>
+            <a:r>
+              <a:rPr lang="en-US" dirty="0"/>
+              <a:t/>
+            </a:r>
+            <a:br>
+              <a:rPr lang="en-US" dirty="0"/>
+            </a:br>
+            <a:r>
+              <a:rPr lang="en-US" dirty="0"/>
+              <a:t/>
+            </a:r>
+            <a:br>
+              <a:rPr lang="en-US" dirty="0"/>
+            </a:br>
+            <a:r>
+              <a:rPr lang="en-US" dirty="0"/>
+              <a:t/>
+            </a:r>
+            <a:br>
+              <a:rPr lang="en-US" dirty="0"/>
+            </a:br>
+            <a:r>
+              <a:rPr lang="en-US" dirty="0"/>
+              <a:t/>
+            </a:r>
+            <a:br>
+              <a:rPr lang="en-US" dirty="0"/>
+            </a:br>
+            <a:endParaRPr lang="en-US" dirty="0"/>
+          </a:p>
+          <a:p>
+            <a:r>
+              <a:rPr lang="en-US" sz="1600" dirty="0"/>
+              <a:t>Except where otherwise noted, this work is licensed under https://creativecommons.org/licenses/by-nc-sa/4.0/</a:t>
+            </a:r>
+            <a:br>
+              <a:rPr lang="en-US" sz="1600" dirty="0"/>
+            </a:br>
+            <a:r>
+              <a:rPr lang="en-US" sz="1600" dirty="0"/>
+              <a:t/>
+            </a:r>
+            <a:br>
+              <a:rPr lang="en-US" sz="1600" dirty="0"/>
+            </a:br>
+            <a:r>
+              <a:rPr lang="en-US" sz="1600" dirty="0"/>
+              <a:t>Not withstanding the non-commercial license terms, non-profit educational institutions are granted a non-exclusive license to adapt and use this material, with attribution.</a:t>
+            </a:r>
+            <a:br>
+              <a:rPr lang="en-US" sz="1600" dirty="0"/>
+            </a:br>
+            <a:r>
+              <a:rPr lang="en-US" sz="1600" dirty="0"/>
+              <a:t/>
+            </a:r>
+            <a:br>
+              <a:rPr lang="en-US" sz="1600" dirty="0"/>
+            </a:br>
+            <a:r>
+              <a:rPr lang="en-US" sz="1600" dirty="0"/>
+              <a:t>Creative Commons and the double C in a circle are registered trademarks of Creative commons in the United States and other countries. Third party marks and brands are the property of their respective holders</a:t>
+            </a:r>
+            <a:r>
+              <a:rPr lang="en-US" sz="1600" dirty="0" smtClean="0"/>
+              <a:t>.</a:t>
+            </a:r>
+          </a:p>
+          <a:p>
+            <a:r>
+              <a:rPr lang="en-US" sz="1600" dirty="0"/>
+              <a:t>Project sponsored by the National Security Agency under grant Number </a:t>
+            </a:r>
+            <a:r>
+              <a:rPr lang="en-US" sz="1600" dirty="0" smtClean="0"/>
+              <a:t>H98230-17-1-0199. The </a:t>
+            </a:r>
+            <a:r>
+              <a:rPr lang="en-US" sz="1600" dirty="0"/>
+              <a:t>United States Government is authorized to reproduce and distribute reprints notwithstanding any copyright notation herein.</a:t>
+            </a:r>
+          </a:p>
+          <a:p>
+            <a:endParaRPr lang="en-US" sz="1600" dirty="0"/>
+          </a:p>
+        </p:txBody>
+      </p:sp>
     </p:spTree>
     <p:custDataLst>
       <p:tags r:id="rId1"/>
     </p:custDataLst>
     <p:extLst>
       <p:ext uri="{BB962C8B-B14F-4D97-AF65-F5344CB8AC3E}">
-        <p14:creationId xmlns:p14="http://schemas.microsoft.com/office/powerpoint/2010/main" val="1892705052"/>
+        <p14:creationId xmlns:p14="http://schemas.microsoft.com/office/powerpoint/2010/main" val="1793591390"/>
       </p:ext>
     </p:extLst>
   </p:cSld>
@@ -4476,7 +4771,7 @@
           <p:cNvPr id="3" name="Slide Number Placeholder 2">
             <a:extLst>
               <a:ext uri="{FF2B5EF4-FFF2-40B4-BE49-F238E27FC236}">
-                <a16:creationId xmlns:a16="http://schemas.microsoft.com/office/drawing/2014/main" xmlns="" id="{0B1163B0-19D9-4859-8B88-CD4B646011C3}"/>
+                <a16:creationId xmlns="" xmlns:a16="http://schemas.microsoft.com/office/drawing/2014/main" id="{0B1163B0-19D9-4859-8B88-CD4B646011C3}"/>
               </a:ext>
             </a:extLst>
           </p:cNvPr>
@@ -4539,7 +4834,7 @@
           <p:cNvPr id="2" name="Title 1">
             <a:extLst>
               <a:ext uri="{FF2B5EF4-FFF2-40B4-BE49-F238E27FC236}">
-                <a16:creationId xmlns:a16="http://schemas.microsoft.com/office/drawing/2014/main" xmlns="" id="{7790CD47-DF56-40F4-A3E0-E88E07C8417B}"/>
+                <a16:creationId xmlns="" xmlns:a16="http://schemas.microsoft.com/office/drawing/2014/main" id="{7790CD47-DF56-40F4-A3E0-E88E07C8417B}"/>
               </a:ext>
             </a:extLst>
           </p:cNvPr>
@@ -4567,7 +4862,7 @@
           <p:cNvPr id="3" name="Content Placeholder 2">
             <a:extLst>
               <a:ext uri="{FF2B5EF4-FFF2-40B4-BE49-F238E27FC236}">
-                <a16:creationId xmlns:a16="http://schemas.microsoft.com/office/drawing/2014/main" xmlns="" id="{3DA1B7B2-02FF-4684-99F1-19427399486B}"/>
+                <a16:creationId xmlns="" xmlns:a16="http://schemas.microsoft.com/office/drawing/2014/main" id="{3DA1B7B2-02FF-4684-99F1-19427399486B}"/>
               </a:ext>
             </a:extLst>
           </p:cNvPr>
@@ -4641,7 +4936,7 @@
           <p:cNvPr id="4" name="Slide Number Placeholder 3">
             <a:extLst>
               <a:ext uri="{FF2B5EF4-FFF2-40B4-BE49-F238E27FC236}">
-                <a16:creationId xmlns:a16="http://schemas.microsoft.com/office/drawing/2014/main" xmlns="" id="{BF0B2BD9-84B9-43DF-BEB6-77BED6AE9C82}"/>
+                <a16:creationId xmlns="" xmlns:a16="http://schemas.microsoft.com/office/drawing/2014/main" id="{BF0B2BD9-84B9-43DF-BEB6-77BED6AE9C82}"/>
               </a:ext>
             </a:extLst>
           </p:cNvPr>
@@ -4706,7 +5001,7 @@
           <p:cNvPr id="2" name="Title 1">
             <a:extLst>
               <a:ext uri="{FF2B5EF4-FFF2-40B4-BE49-F238E27FC236}">
-                <a16:creationId xmlns:a16="http://schemas.microsoft.com/office/drawing/2014/main" xmlns="" id="{C43C5780-690D-434A-B801-A9F4381CD45A}"/>
+                <a16:creationId xmlns="" xmlns:a16="http://schemas.microsoft.com/office/drawing/2014/main" id="{C43C5780-690D-434A-B801-A9F4381CD45A}"/>
               </a:ext>
             </a:extLst>
           </p:cNvPr>
@@ -4734,7 +5029,7 @@
           <p:cNvPr id="3" name="Content Placeholder 2">
             <a:extLst>
               <a:ext uri="{FF2B5EF4-FFF2-40B4-BE49-F238E27FC236}">
-                <a16:creationId xmlns:a16="http://schemas.microsoft.com/office/drawing/2014/main" xmlns="" id="{BE45DAC6-D687-4B13-BC41-9F671AA71A59}"/>
+                <a16:creationId xmlns="" xmlns:a16="http://schemas.microsoft.com/office/drawing/2014/main" id="{BE45DAC6-D687-4B13-BC41-9F671AA71A59}"/>
               </a:ext>
             </a:extLst>
           </p:cNvPr>
@@ -4802,7 +5097,7 @@
           <p:cNvPr id="4" name="Slide Number Placeholder 3">
             <a:extLst>
               <a:ext uri="{FF2B5EF4-FFF2-40B4-BE49-F238E27FC236}">
-                <a16:creationId xmlns:a16="http://schemas.microsoft.com/office/drawing/2014/main" xmlns="" id="{B324E5B2-09F7-4EB3-8B71-5CBABA262537}"/>
+                <a16:creationId xmlns="" xmlns:a16="http://schemas.microsoft.com/office/drawing/2014/main" id="{B324E5B2-09F7-4EB3-8B71-5CBABA262537}"/>
               </a:ext>
             </a:extLst>
           </p:cNvPr>
@@ -4867,7 +5162,7 @@
           <p:cNvPr id="2" name="Title 1">
             <a:extLst>
               <a:ext uri="{FF2B5EF4-FFF2-40B4-BE49-F238E27FC236}">
-                <a16:creationId xmlns:a16="http://schemas.microsoft.com/office/drawing/2014/main" xmlns="" id="{5A239509-4403-4B7B-A5BD-DB093A0A7AD6}"/>
+                <a16:creationId xmlns="" xmlns:a16="http://schemas.microsoft.com/office/drawing/2014/main" id="{5A239509-4403-4B7B-A5BD-DB093A0A7AD6}"/>
               </a:ext>
             </a:extLst>
           </p:cNvPr>
@@ -4895,7 +5190,7 @@
           <p:cNvPr id="3" name="Content Placeholder 2">
             <a:extLst>
               <a:ext uri="{FF2B5EF4-FFF2-40B4-BE49-F238E27FC236}">
-                <a16:creationId xmlns:a16="http://schemas.microsoft.com/office/drawing/2014/main" xmlns="" id="{738C3C73-E5FA-4AB0-97A8-B0BE58EA7896}"/>
+                <a16:creationId xmlns="" xmlns:a16="http://schemas.microsoft.com/office/drawing/2014/main" id="{738C3C73-E5FA-4AB0-97A8-B0BE58EA7896}"/>
               </a:ext>
             </a:extLst>
           </p:cNvPr>
@@ -4976,7 +5271,7 @@
           <p:cNvPr id="4" name="Slide Number Placeholder 3">
             <a:extLst>
               <a:ext uri="{FF2B5EF4-FFF2-40B4-BE49-F238E27FC236}">
-                <a16:creationId xmlns:a16="http://schemas.microsoft.com/office/drawing/2014/main" xmlns="" id="{C9B73774-42A2-4595-82B6-D9F682C366EE}"/>
+                <a16:creationId xmlns="" xmlns:a16="http://schemas.microsoft.com/office/drawing/2014/main" id="{C9B73774-42A2-4595-82B6-D9F682C366EE}"/>
               </a:ext>
             </a:extLst>
           </p:cNvPr>
@@ -5041,7 +5336,7 @@
           <p:cNvPr id="2" name="Title 1">
             <a:extLst>
               <a:ext uri="{FF2B5EF4-FFF2-40B4-BE49-F238E27FC236}">
-                <a16:creationId xmlns:a16="http://schemas.microsoft.com/office/drawing/2014/main" xmlns="" id="{A4FD2E57-39FF-4B88-9433-0449ED8FE63A}"/>
+                <a16:creationId xmlns="" xmlns:a16="http://schemas.microsoft.com/office/drawing/2014/main" id="{A4FD2E57-39FF-4B88-9433-0449ED8FE63A}"/>
               </a:ext>
             </a:extLst>
           </p:cNvPr>
@@ -5069,7 +5364,7 @@
           <p:cNvPr id="3" name="Content Placeholder 2">
             <a:extLst>
               <a:ext uri="{FF2B5EF4-FFF2-40B4-BE49-F238E27FC236}">
-                <a16:creationId xmlns:a16="http://schemas.microsoft.com/office/drawing/2014/main" xmlns="" id="{86160B58-521A-46AC-AABE-AB9DBC4CC51B}"/>
+                <a16:creationId xmlns="" xmlns:a16="http://schemas.microsoft.com/office/drawing/2014/main" id="{86160B58-521A-46AC-AABE-AB9DBC4CC51B}"/>
               </a:ext>
             </a:extLst>
           </p:cNvPr>
@@ -5161,7 +5456,7 @@
           <p:cNvPr id="4" name="Slide Number Placeholder 3">
             <a:extLst>
               <a:ext uri="{FF2B5EF4-FFF2-40B4-BE49-F238E27FC236}">
-                <a16:creationId xmlns:a16="http://schemas.microsoft.com/office/drawing/2014/main" xmlns="" id="{E35E37A6-D820-461F-AC82-6C64C89AE94C}"/>
+                <a16:creationId xmlns="" xmlns:a16="http://schemas.microsoft.com/office/drawing/2014/main" id="{E35E37A6-D820-461F-AC82-6C64C89AE94C}"/>
               </a:ext>
             </a:extLst>
           </p:cNvPr>
@@ -5226,7 +5521,7 @@
           <p:cNvPr id="2" name="Title 1">
             <a:extLst>
               <a:ext uri="{FF2B5EF4-FFF2-40B4-BE49-F238E27FC236}">
-                <a16:creationId xmlns:a16="http://schemas.microsoft.com/office/drawing/2014/main" xmlns="" id="{DAB284B2-DCA6-4F4F-945D-7DBD459D9329}"/>
+                <a16:creationId xmlns="" xmlns:a16="http://schemas.microsoft.com/office/drawing/2014/main" id="{DAB284B2-DCA6-4F4F-945D-7DBD459D9329}"/>
               </a:ext>
             </a:extLst>
           </p:cNvPr>
@@ -5254,7 +5549,7 @@
           <p:cNvPr id="3" name="Content Placeholder 2">
             <a:extLst>
               <a:ext uri="{FF2B5EF4-FFF2-40B4-BE49-F238E27FC236}">
-                <a16:creationId xmlns:a16="http://schemas.microsoft.com/office/drawing/2014/main" xmlns="" id="{F872DE08-8103-4913-B85F-FDE8AF01C037}"/>
+                <a16:creationId xmlns="" xmlns:a16="http://schemas.microsoft.com/office/drawing/2014/main" id="{F872DE08-8103-4913-B85F-FDE8AF01C037}"/>
               </a:ext>
             </a:extLst>
           </p:cNvPr>
@@ -5354,7 +5649,7 @@
           <p:cNvPr id="4" name="Slide Number Placeholder 3">
             <a:extLst>
               <a:ext uri="{FF2B5EF4-FFF2-40B4-BE49-F238E27FC236}">
-                <a16:creationId xmlns:a16="http://schemas.microsoft.com/office/drawing/2014/main" xmlns="" id="{60B68F91-CE8B-44E0-AFB7-9F45C3BBE939}"/>
+                <a16:creationId xmlns="" xmlns:a16="http://schemas.microsoft.com/office/drawing/2014/main" id="{60B68F91-CE8B-44E0-AFB7-9F45C3BBE939}"/>
               </a:ext>
             </a:extLst>
           </p:cNvPr>
@@ -5414,7 +5709,7 @@
           <p:cNvPr id="2" name="Title 1">
             <a:extLst>
               <a:ext uri="{FF2B5EF4-FFF2-40B4-BE49-F238E27FC236}">
-                <a16:creationId xmlns:a16="http://schemas.microsoft.com/office/drawing/2014/main" xmlns="" id="{6FFC327A-5036-4AE9-80C7-5FB89D883175}"/>
+                <a16:creationId xmlns="" xmlns:a16="http://schemas.microsoft.com/office/drawing/2014/main" id="{6FFC327A-5036-4AE9-80C7-5FB89D883175}"/>
               </a:ext>
             </a:extLst>
           </p:cNvPr>
@@ -5442,7 +5737,7 @@
           <p:cNvPr id="3" name="Content Placeholder 2">
             <a:extLst>
               <a:ext uri="{FF2B5EF4-FFF2-40B4-BE49-F238E27FC236}">
-                <a16:creationId xmlns:a16="http://schemas.microsoft.com/office/drawing/2014/main" xmlns="" id="{F27BC317-B7D6-4539-BC8F-B968FFDA64FD}"/>
+                <a16:creationId xmlns="" xmlns:a16="http://schemas.microsoft.com/office/drawing/2014/main" id="{F27BC317-B7D6-4539-BC8F-B968FFDA64FD}"/>
               </a:ext>
             </a:extLst>
           </p:cNvPr>
@@ -5543,7 +5838,7 @@
           <p:cNvPr id="4" name="Slide Number Placeholder 3">
             <a:extLst>
               <a:ext uri="{FF2B5EF4-FFF2-40B4-BE49-F238E27FC236}">
-                <a16:creationId xmlns:a16="http://schemas.microsoft.com/office/drawing/2014/main" xmlns="" id="{0B1065C9-7E33-4C50-BF98-3E516A6A50A2}"/>
+                <a16:creationId xmlns="" xmlns:a16="http://schemas.microsoft.com/office/drawing/2014/main" id="{0B1065C9-7E33-4C50-BF98-3E516A6A50A2}"/>
               </a:ext>
             </a:extLst>
           </p:cNvPr>
@@ -5608,7 +5903,7 @@
           <p:cNvPr id="2" name="Title 1">
             <a:extLst>
               <a:ext uri="{FF2B5EF4-FFF2-40B4-BE49-F238E27FC236}">
-                <a16:creationId xmlns:a16="http://schemas.microsoft.com/office/drawing/2014/main" xmlns="" id="{815F5E2E-5211-45D8-92BA-8577F217BC59}"/>
+                <a16:creationId xmlns="" xmlns:a16="http://schemas.microsoft.com/office/drawing/2014/main" id="{815F5E2E-5211-45D8-92BA-8577F217BC59}"/>
               </a:ext>
             </a:extLst>
           </p:cNvPr>
@@ -5636,7 +5931,7 @@
           <p:cNvPr id="3" name="Content Placeholder 2">
             <a:extLst>
               <a:ext uri="{FF2B5EF4-FFF2-40B4-BE49-F238E27FC236}">
-                <a16:creationId xmlns:a16="http://schemas.microsoft.com/office/drawing/2014/main" xmlns="" id="{ADB8E434-7ED8-4032-949A-E7B527C3A2E9}"/>
+                <a16:creationId xmlns="" xmlns:a16="http://schemas.microsoft.com/office/drawing/2014/main" id="{ADB8E434-7ED8-4032-949A-E7B527C3A2E9}"/>
               </a:ext>
             </a:extLst>
           </p:cNvPr>
@@ -5676,7 +5971,7 @@
           <p:cNvPr id="4" name="Slide Number Placeholder 3">
             <a:extLst>
               <a:ext uri="{FF2B5EF4-FFF2-40B4-BE49-F238E27FC236}">
-                <a16:creationId xmlns:a16="http://schemas.microsoft.com/office/drawing/2014/main" xmlns="" id="{57EDC200-4BF9-478F-80E8-AF248D96704A}"/>
+                <a16:creationId xmlns="" xmlns:a16="http://schemas.microsoft.com/office/drawing/2014/main" id="{57EDC200-4BF9-478F-80E8-AF248D96704A}"/>
               </a:ext>
             </a:extLst>
           </p:cNvPr>
